--- a/trunk/Presentation/Presentation v2.pptx
+++ b/trunk/Presentation/Presentation v2.pptx
@@ -16462,418 +16462,588 @@
           </a:p>
         </p:txBody>
       </p:sp>
-      <p:sp>
-        <p:nvSpPr>
-          <p:cNvPr id="9" name="TextBox 8"/>
-          <p:cNvSpPr txBox="1"/>
-          <p:nvPr/>
-        </p:nvSpPr>
-        <p:spPr>
-          <a:xfrm>
-            <a:off x="357158" y="1214422"/>
-            <a:ext cx="8429684" cy="4955203"/>
-          </a:xfrm>
-          <a:prstGeom prst="rect">
-            <a:avLst/>
-          </a:prstGeom>
-          <a:noFill/>
-        </p:spPr>
-        <p:txBody>
-          <a:bodyPr wrap="square" rtlCol="0">
-            <a:spAutoFit/>
-          </a:bodyPr>
-          <a:lstStyle/>
-          <a:p>
-            <a:pPr>
-              <a:lnSpc>
-                <a:spcPct val="150000"/>
-              </a:lnSpc>
-            </a:pPr>
-            <a:r>
-              <a:rPr lang="en-US" altLang="zh-CN" sz="2400" b="1" dirty="0" smtClean="0"/>
-              <a:t>Proof</a:t>
-            </a:r>
-          </a:p>
-          <a:p>
-            <a:pPr marL="531813" indent="-531813">
-              <a:lnSpc>
-                <a:spcPct val="125000"/>
-              </a:lnSpc>
-              <a:buFont typeface="Wingdings" pitchFamily="2" charset="2"/>
-              <a:buChar char="u"/>
-            </a:pPr>
-            <a:r>
-              <a:rPr lang="en-US" sz="2400" i="1" dirty="0" smtClean="0">
-                <a:latin typeface="Cambria Math" pitchFamily="18" charset="0"/>
-                <a:ea typeface="Cambria Math" pitchFamily="18" charset="0"/>
-              </a:rPr>
-              <a:t>α</a:t>
-            </a:r>
-            <a:r>
-              <a:rPr lang="en-US" sz="2400" i="1" dirty="0" smtClean="0"/>
-              <a:t>-</a:t>
-            </a:r>
-            <a:r>
-              <a:rPr lang="en-US" sz="2400" dirty="0" smtClean="0"/>
-              <a:t>equivalence: </a:t>
-            </a:r>
-          </a:p>
-          <a:p>
-            <a:pPr marL="531813" indent="3175">
-              <a:lnSpc>
-                <a:spcPct val="125000"/>
-              </a:lnSpc>
-              <a:spcAft>
-                <a:spcPts val="600"/>
-              </a:spcAft>
-            </a:pPr>
-            <a:r>
-              <a:rPr lang="en-US" sz="2400" dirty="0" smtClean="0"/>
-              <a:t>no term-variable name appears in the calculations</a:t>
-            </a:r>
-          </a:p>
-          <a:p>
-            <a:pPr marL="531813" indent="-531813">
-              <a:lnSpc>
-                <a:spcPct val="125000"/>
-              </a:lnSpc>
-              <a:buFont typeface="Wingdings" pitchFamily="2" charset="2"/>
-              <a:buChar char="u"/>
-            </a:pPr>
-            <a:r>
-              <a:rPr lang="en-US" sz="2400" i="1" dirty="0" smtClean="0">
-                <a:latin typeface="Cambria Math" pitchFamily="18" charset="0"/>
-                <a:ea typeface="Cambria Math" pitchFamily="18" charset="0"/>
-              </a:rPr>
-              <a:t>β</a:t>
-            </a:r>
-            <a:r>
-              <a:rPr lang="en-US" sz="2400" i="1" dirty="0" smtClean="0"/>
-              <a:t>-</a:t>
-            </a:r>
-            <a:r>
-              <a:rPr lang="en-US" sz="2400" dirty="0" smtClean="0"/>
-              <a:t>equivalence</a:t>
-            </a:r>
-            <a:r>
-              <a:rPr lang="en-US" sz="2400" dirty="0" smtClean="0"/>
-              <a:t>:</a:t>
-            </a:r>
-          </a:p>
-          <a:p>
-            <a:pPr marL="531813" indent="-531813">
-              <a:lnSpc>
-                <a:spcPct val="125000"/>
-              </a:lnSpc>
-            </a:pPr>
-            <a:endParaRPr lang="en-US" sz="2400" i="1" dirty="0" smtClean="0"/>
-          </a:p>
-          <a:p>
-            <a:pPr marL="979488" indent="-442913">
-              <a:lnSpc>
-                <a:spcPct val="125000"/>
-              </a:lnSpc>
-              <a:buFont typeface="Wingdings" pitchFamily="2" charset="2"/>
-              <a:buChar char="Ø"/>
-            </a:pPr>
-            <a:r>
-              <a:rPr lang="en-US" altLang="zh-CN" sz="2400" b="1" dirty="0" smtClean="0">
-                <a:ea typeface="Cambria Math"/>
-              </a:rPr>
-              <a:t>App</a:t>
-            </a:r>
-            <a:r>
-              <a:rPr lang="en-US" altLang="zh-CN" sz="2400" dirty="0" smtClean="0">
-                <a:latin typeface="Cambria Math"/>
-                <a:ea typeface="Cambria Math"/>
-              </a:rPr>
-              <a:t>∘⟨</a:t>
-            </a:r>
-            <a:r>
-              <a:rPr lang="en-US" altLang="zh-CN" sz="2400" b="1" dirty="0" smtClean="0">
-                <a:ea typeface="Cambria Math"/>
-              </a:rPr>
-              <a:t>Curry</a:t>
-            </a:r>
-            <a:r>
-              <a:rPr lang="en-US" altLang="zh-CN" sz="2400" dirty="0" smtClean="0">
-                <a:latin typeface="Cambria Math" pitchFamily="18" charset="0"/>
-                <a:ea typeface="Cambria Math" pitchFamily="18" charset="0"/>
-                <a:sym typeface="Wingdings"/>
-              </a:rPr>
-              <a:t>(</a:t>
-            </a:r>
-            <a:r>
-              <a:rPr lang="en-US" altLang="zh-CN" sz="2400" i="1" dirty="0" smtClean="0">
-                <a:ea typeface="Cambria Math"/>
-                <a:sym typeface="Wingdings"/>
-              </a:rPr>
-              <a:t>h</a:t>
-            </a:r>
-            <a:r>
-              <a:rPr lang="en-US" altLang="zh-CN" sz="2400" dirty="0" smtClean="0">
-                <a:latin typeface="Cambria Math" pitchFamily="18" charset="0"/>
-                <a:ea typeface="Cambria Math" pitchFamily="18" charset="0"/>
-                <a:sym typeface="Wingdings"/>
-              </a:rPr>
-              <a:t>)</a:t>
-            </a:r>
-            <a:r>
-              <a:rPr lang="en-US" altLang="zh-CN" sz="2400" dirty="0" smtClean="0">
-                <a:latin typeface="Cambria Math"/>
-                <a:ea typeface="Cambria Math"/>
-              </a:rPr>
-              <a:t>∘</a:t>
-            </a:r>
-            <a:r>
-              <a:rPr lang="en-US" altLang="zh-CN" sz="2400" b="1" dirty="0" smtClean="0">
-                <a:ea typeface="Cambria Math"/>
-              </a:rPr>
-              <a:t>Proj</a:t>
-            </a:r>
-            <a:r>
-              <a:rPr lang="en-US" altLang="zh-CN" sz="2400" b="1" baseline="-25000" dirty="0" smtClean="0">
-                <a:ea typeface="Cambria Math"/>
-              </a:rPr>
-              <a:t>1</a:t>
-            </a:r>
-            <a:r>
-              <a:rPr lang="en-US" altLang="zh-CN" sz="2400" dirty="0" smtClean="0">
-                <a:latin typeface="Cambria Math"/>
-                <a:ea typeface="Cambria Math"/>
-                <a:sym typeface="Wingdings"/>
-              </a:rPr>
-              <a:t>,</a:t>
-            </a:r>
-            <a:r>
-              <a:rPr lang="en-US" altLang="zh-CN" sz="2400" i="1" dirty="0" smtClean="0">
-                <a:latin typeface="Cambria Math"/>
-                <a:ea typeface="Cambria Math"/>
-                <a:sym typeface="Wingdings"/>
-              </a:rPr>
-              <a:t> </a:t>
-            </a:r>
-            <a:r>
-              <a:rPr lang="en-US" altLang="zh-CN" sz="2400" b="1" dirty="0" smtClean="0">
-                <a:ea typeface="Cambria Math"/>
-              </a:rPr>
-              <a:t>Proj</a:t>
-            </a:r>
-            <a:r>
-              <a:rPr lang="en-US" altLang="zh-CN" sz="2400" b="1" baseline="-25000" dirty="0" smtClean="0">
-                <a:ea typeface="Cambria Math"/>
-              </a:rPr>
-              <a:t>2</a:t>
-            </a:r>
-            <a:r>
-              <a:rPr lang="en-US" altLang="zh-CN" sz="2400" dirty="0" smtClean="0">
-                <a:latin typeface="Cambria Math"/>
-                <a:ea typeface="Cambria Math"/>
-              </a:rPr>
-              <a:t>⟩ = </a:t>
-            </a:r>
-            <a:r>
-              <a:rPr lang="en-US" altLang="zh-CN" sz="2400" i="1" dirty="0" smtClean="0">
-                <a:ea typeface="Cambria Math"/>
-                <a:sym typeface="Wingdings"/>
-              </a:rPr>
-              <a:t>h</a:t>
-            </a:r>
-            <a:endParaRPr lang="en-US" sz="2400" i="1" dirty="0" smtClean="0"/>
-          </a:p>
-          <a:p>
-            <a:pPr marL="979488" indent="-442913">
-              <a:lnSpc>
-                <a:spcPct val="125000"/>
-              </a:lnSpc>
-              <a:spcAft>
-                <a:spcPts val="600"/>
-              </a:spcAft>
-              <a:buFont typeface="Wingdings" pitchFamily="2" charset="2"/>
-              <a:buChar char="Ø"/>
-            </a:pPr>
-            <a:r>
-              <a:rPr lang="en-US" sz="2400" dirty="0" smtClean="0"/>
-              <a:t>Substitution Lemma</a:t>
-            </a:r>
-          </a:p>
-          <a:p>
-            <a:pPr marL="531813" indent="-531813">
-              <a:lnSpc>
-                <a:spcPct val="125000"/>
-              </a:lnSpc>
-              <a:buFont typeface="Wingdings" pitchFamily="2" charset="2"/>
-              <a:buChar char="u"/>
-            </a:pPr>
-            <a:r>
-              <a:rPr lang="en-US" sz="2400" i="1" dirty="0" smtClean="0">
-                <a:latin typeface="Cambria Math" pitchFamily="18" charset="0"/>
-                <a:ea typeface="Cambria Math" pitchFamily="18" charset="0"/>
-              </a:rPr>
-              <a:t>η</a:t>
-            </a:r>
-            <a:r>
-              <a:rPr lang="en-US" sz="2400" i="1" dirty="0" smtClean="0"/>
-              <a:t>-</a:t>
-            </a:r>
-            <a:r>
-              <a:rPr lang="en-US" sz="2400" dirty="0" smtClean="0"/>
-              <a:t>equivalence</a:t>
-            </a:r>
-            <a:r>
-              <a:rPr lang="en-US" sz="2400" dirty="0" smtClean="0"/>
-              <a:t>:</a:t>
-            </a:r>
-          </a:p>
-          <a:p>
-            <a:pPr marL="531813" indent="-531813">
-              <a:lnSpc>
-                <a:spcPct val="125000"/>
-              </a:lnSpc>
-              <a:buFont typeface="Wingdings" pitchFamily="2" charset="2"/>
-              <a:buChar char="u"/>
-            </a:pPr>
-            <a:endParaRPr lang="en-US" sz="2400" dirty="0" smtClean="0"/>
-          </a:p>
-          <a:p>
-            <a:pPr marL="979488" indent="-442913">
-              <a:lnSpc>
-                <a:spcPct val="125000"/>
-              </a:lnSpc>
-              <a:buFont typeface="Wingdings" pitchFamily="2" charset="2"/>
-              <a:buChar char="Ø"/>
-            </a:pPr>
-            <a:r>
-              <a:rPr lang="en-US" altLang="zh-CN" sz="2400" b="1" dirty="0" smtClean="0">
-                <a:ea typeface="Cambria Math"/>
-              </a:rPr>
-              <a:t>Curry</a:t>
-            </a:r>
-            <a:r>
-              <a:rPr lang="en-US" altLang="zh-CN" sz="2400" dirty="0" smtClean="0">
-                <a:latin typeface="Cambria Math" pitchFamily="18" charset="0"/>
-                <a:ea typeface="Cambria Math" pitchFamily="18" charset="0"/>
-                <a:sym typeface="Wingdings"/>
-              </a:rPr>
-              <a:t>(</a:t>
-            </a:r>
-            <a:r>
-              <a:rPr lang="en-US" altLang="zh-CN" sz="2400" b="1" dirty="0" smtClean="0">
-                <a:ea typeface="Cambria Math"/>
-              </a:rPr>
-              <a:t>App</a:t>
-            </a:r>
-            <a:r>
-              <a:rPr lang="en-US" altLang="zh-CN" sz="2400" dirty="0" smtClean="0">
-                <a:latin typeface="Cambria Math"/>
-                <a:ea typeface="Cambria Math"/>
-              </a:rPr>
-              <a:t>∘⟨</a:t>
-            </a:r>
-            <a:r>
-              <a:rPr lang="en-US" altLang="zh-CN" sz="2400" i="1" dirty="0" smtClean="0">
-                <a:ea typeface="Cambria Math"/>
-                <a:sym typeface="Wingdings"/>
-              </a:rPr>
-              <a:t>k</a:t>
-            </a:r>
-            <a:r>
-              <a:rPr lang="en-US" altLang="zh-CN" sz="2400" dirty="0" smtClean="0">
-                <a:latin typeface="Cambria Math"/>
-                <a:ea typeface="Cambria Math"/>
-              </a:rPr>
-              <a:t>∘</a:t>
-            </a:r>
-            <a:r>
-              <a:rPr lang="en-US" altLang="zh-CN" sz="2400" b="1" dirty="0" smtClean="0">
-                <a:ea typeface="Cambria Math"/>
-              </a:rPr>
-              <a:t>Proj</a:t>
-            </a:r>
-            <a:r>
-              <a:rPr lang="en-US" altLang="zh-CN" sz="2400" b="1" baseline="-25000" dirty="0" smtClean="0">
-                <a:ea typeface="Cambria Math"/>
-              </a:rPr>
-              <a:t>1</a:t>
-            </a:r>
-            <a:r>
-              <a:rPr lang="en-US" altLang="zh-CN" sz="2400" dirty="0" smtClean="0">
-                <a:latin typeface="Cambria Math"/>
-                <a:ea typeface="Cambria Math"/>
-                <a:sym typeface="Wingdings"/>
-              </a:rPr>
-              <a:t>,</a:t>
-            </a:r>
-            <a:r>
-              <a:rPr lang="en-US" altLang="zh-CN" sz="2400" i="1" dirty="0" smtClean="0">
-                <a:latin typeface="Cambria Math"/>
-                <a:ea typeface="Cambria Math"/>
-                <a:sym typeface="Wingdings"/>
-              </a:rPr>
-              <a:t> </a:t>
-            </a:r>
-            <a:r>
-              <a:rPr lang="en-US" altLang="zh-CN" sz="2400" b="1" dirty="0" smtClean="0">
-                <a:ea typeface="Cambria Math"/>
-              </a:rPr>
-              <a:t>Proj</a:t>
-            </a:r>
-            <a:r>
-              <a:rPr lang="en-US" altLang="zh-CN" sz="2400" b="1" baseline="-25000" dirty="0" smtClean="0">
-                <a:ea typeface="Cambria Math"/>
-              </a:rPr>
-              <a:t>2</a:t>
-            </a:r>
-            <a:r>
-              <a:rPr lang="en-US" altLang="zh-CN" sz="2400" dirty="0" smtClean="0">
-                <a:latin typeface="Cambria Math"/>
-                <a:ea typeface="Cambria Math"/>
-              </a:rPr>
-              <a:t>⟩</a:t>
-            </a:r>
-            <a:r>
-              <a:rPr lang="en-US" altLang="zh-CN" sz="2400" dirty="0" smtClean="0">
-                <a:latin typeface="Cambria Math" pitchFamily="18" charset="0"/>
-                <a:ea typeface="Cambria Math" pitchFamily="18" charset="0"/>
-                <a:sym typeface="Wingdings"/>
-              </a:rPr>
-              <a:t>) =</a:t>
-            </a:r>
-            <a:r>
-              <a:rPr lang="en-US" altLang="zh-CN" sz="2400" i="1" dirty="0" smtClean="0">
-                <a:ea typeface="Cambria Math"/>
-                <a:sym typeface="Wingdings"/>
-              </a:rPr>
-              <a:t> k</a:t>
-            </a:r>
-            <a:endParaRPr lang="en-US" sz="2400" i="1" dirty="0" smtClean="0"/>
-          </a:p>
-        </p:txBody>
-      </p:sp>
       <p:grpSp>
         <p:nvGrpSpPr>
-          <p:cNvPr id="3" name="组合 26"/>
+          <p:cNvPr id="29" name="组合 28"/>
           <p:cNvGrpSpPr/>
           <p:nvPr/>
         </p:nvGrpSpPr>
         <p:grpSpPr>
           <a:xfrm>
-            <a:off x="973177" y="3286124"/>
-            <a:ext cx="5644399" cy="361950"/>
-            <a:chOff x="985834" y="4567248"/>
-            <a:chExt cx="5453063" cy="361950"/>
+            <a:off x="357158" y="1214422"/>
+            <a:ext cx="8429684" cy="4955203"/>
+            <a:chOff x="357158" y="1214422"/>
+            <a:chExt cx="8429684" cy="4955203"/>
           </a:xfrm>
         </p:grpSpPr>
+        <p:sp>
+          <p:nvSpPr>
+            <p:cNvPr id="9" name="TextBox 8"/>
+            <p:cNvSpPr txBox="1"/>
+            <p:nvPr/>
+          </p:nvSpPr>
+          <p:spPr>
+            <a:xfrm>
+              <a:off x="357158" y="1214422"/>
+              <a:ext cx="8429684" cy="4955203"/>
+            </a:xfrm>
+            <a:prstGeom prst="rect">
+              <a:avLst/>
+            </a:prstGeom>
+            <a:noFill/>
+          </p:spPr>
+          <p:txBody>
+            <a:bodyPr wrap="square" rtlCol="0">
+              <a:spAutoFit/>
+            </a:bodyPr>
+            <a:lstStyle/>
+            <a:p>
+              <a:pPr>
+                <a:lnSpc>
+                  <a:spcPct val="150000"/>
+                </a:lnSpc>
+              </a:pPr>
+              <a:r>
+                <a:rPr lang="en-US" altLang="zh-CN" sz="2400" b="1" dirty="0" smtClean="0"/>
+                <a:t>Proof</a:t>
+              </a:r>
+            </a:p>
+            <a:p>
+              <a:pPr marL="531813" indent="-531813">
+                <a:lnSpc>
+                  <a:spcPct val="125000"/>
+                </a:lnSpc>
+                <a:buFont typeface="Wingdings" pitchFamily="2" charset="2"/>
+                <a:buChar char="u"/>
+              </a:pPr>
+              <a:r>
+                <a:rPr lang="en-US" sz="2400" i="1" dirty="0" smtClean="0">
+                  <a:latin typeface="Cambria Math" pitchFamily="18" charset="0"/>
+                  <a:ea typeface="Cambria Math" pitchFamily="18" charset="0"/>
+                </a:rPr>
+                <a:t>α</a:t>
+              </a:r>
+              <a:r>
+                <a:rPr lang="en-US" sz="2400" i="1" dirty="0" smtClean="0"/>
+                <a:t>-</a:t>
+              </a:r>
+              <a:r>
+                <a:rPr lang="en-US" sz="2400" dirty="0" smtClean="0"/>
+                <a:t>equivalence: </a:t>
+              </a:r>
+            </a:p>
+            <a:p>
+              <a:pPr marL="531813" indent="3175">
+                <a:lnSpc>
+                  <a:spcPct val="125000"/>
+                </a:lnSpc>
+                <a:spcAft>
+                  <a:spcPts val="600"/>
+                </a:spcAft>
+              </a:pPr>
+              <a:r>
+                <a:rPr lang="en-US" sz="2400" dirty="0" smtClean="0"/>
+                <a:t>no term-variable name appears in the calculations</a:t>
+              </a:r>
+            </a:p>
+            <a:p>
+              <a:pPr marL="531813" indent="-531813">
+                <a:lnSpc>
+                  <a:spcPct val="125000"/>
+                </a:lnSpc>
+                <a:buFont typeface="Wingdings" pitchFamily="2" charset="2"/>
+                <a:buChar char="u"/>
+              </a:pPr>
+              <a:r>
+                <a:rPr lang="en-US" sz="2400" i="1" dirty="0" smtClean="0">
+                  <a:latin typeface="Cambria Math" pitchFamily="18" charset="0"/>
+                  <a:ea typeface="Cambria Math" pitchFamily="18" charset="0"/>
+                </a:rPr>
+                <a:t>β</a:t>
+              </a:r>
+              <a:r>
+                <a:rPr lang="en-US" sz="2400" i="1" dirty="0" smtClean="0"/>
+                <a:t>-</a:t>
+              </a:r>
+              <a:r>
+                <a:rPr lang="en-US" sz="2400" dirty="0" smtClean="0"/>
+                <a:t>equivalence:</a:t>
+              </a:r>
+            </a:p>
+            <a:p>
+              <a:pPr marL="531813" indent="-531813">
+                <a:lnSpc>
+                  <a:spcPct val="125000"/>
+                </a:lnSpc>
+              </a:pPr>
+              <a:endParaRPr lang="en-US" sz="2400" i="1" dirty="0" smtClean="0"/>
+            </a:p>
+            <a:p>
+              <a:pPr marL="979488" indent="-442913">
+                <a:lnSpc>
+                  <a:spcPct val="125000"/>
+                </a:lnSpc>
+                <a:buFont typeface="Wingdings" pitchFamily="2" charset="2"/>
+                <a:buChar char="Ø"/>
+              </a:pPr>
+              <a:r>
+                <a:rPr lang="en-US" altLang="zh-CN" sz="2400" b="1" dirty="0" smtClean="0">
+                  <a:ea typeface="Cambria Math"/>
+                </a:rPr>
+                <a:t>App</a:t>
+              </a:r>
+              <a:r>
+                <a:rPr lang="en-US" altLang="zh-CN" sz="2400" dirty="0" smtClean="0">
+                  <a:latin typeface="Cambria Math"/>
+                  <a:ea typeface="Cambria Math"/>
+                </a:rPr>
+                <a:t>∘⟨</a:t>
+              </a:r>
+              <a:r>
+                <a:rPr lang="en-US" altLang="zh-CN" sz="2400" b="1" dirty="0" smtClean="0">
+                  <a:ea typeface="Cambria Math"/>
+                </a:rPr>
+                <a:t>Curry</a:t>
+              </a:r>
+              <a:r>
+                <a:rPr lang="en-US" altLang="zh-CN" sz="2400" dirty="0" smtClean="0">
+                  <a:latin typeface="Cambria Math" pitchFamily="18" charset="0"/>
+                  <a:ea typeface="Cambria Math" pitchFamily="18" charset="0"/>
+                  <a:sym typeface="Wingdings"/>
+                </a:rPr>
+                <a:t>(</a:t>
+              </a:r>
+              <a:r>
+                <a:rPr lang="en-US" altLang="zh-CN" sz="2400" i="1" dirty="0" smtClean="0">
+                  <a:ea typeface="Cambria Math"/>
+                  <a:sym typeface="Wingdings"/>
+                </a:rPr>
+                <a:t>h</a:t>
+              </a:r>
+              <a:r>
+                <a:rPr lang="en-US" altLang="zh-CN" sz="2400" dirty="0" smtClean="0">
+                  <a:latin typeface="Cambria Math" pitchFamily="18" charset="0"/>
+                  <a:ea typeface="Cambria Math" pitchFamily="18" charset="0"/>
+                  <a:sym typeface="Wingdings"/>
+                </a:rPr>
+                <a:t>)</a:t>
+              </a:r>
+              <a:r>
+                <a:rPr lang="en-US" altLang="zh-CN" sz="2400" dirty="0" smtClean="0">
+                  <a:latin typeface="Cambria Math"/>
+                  <a:ea typeface="Cambria Math"/>
+                </a:rPr>
+                <a:t>∘</a:t>
+              </a:r>
+              <a:r>
+                <a:rPr lang="en-US" altLang="zh-CN" sz="2400" b="1" dirty="0" smtClean="0">
+                  <a:ea typeface="Cambria Math"/>
+                </a:rPr>
+                <a:t>Proj</a:t>
+              </a:r>
+              <a:r>
+                <a:rPr lang="en-US" altLang="zh-CN" sz="2400" b="1" baseline="-25000" dirty="0" smtClean="0">
+                  <a:ea typeface="Cambria Math"/>
+                </a:rPr>
+                <a:t>1</a:t>
+              </a:r>
+              <a:r>
+                <a:rPr lang="en-US" altLang="zh-CN" sz="2400" dirty="0" smtClean="0">
+                  <a:latin typeface="Cambria Math"/>
+                  <a:ea typeface="Cambria Math"/>
+                  <a:sym typeface="Wingdings"/>
+                </a:rPr>
+                <a:t>,</a:t>
+              </a:r>
+              <a:r>
+                <a:rPr lang="en-US" altLang="zh-CN" sz="2400" i="1" dirty="0" smtClean="0">
+                  <a:latin typeface="Cambria Math"/>
+                  <a:ea typeface="Cambria Math"/>
+                  <a:sym typeface="Wingdings"/>
+                </a:rPr>
+                <a:t> </a:t>
+              </a:r>
+              <a:r>
+                <a:rPr lang="en-US" altLang="zh-CN" sz="2400" b="1" dirty="0" smtClean="0">
+                  <a:ea typeface="Cambria Math"/>
+                </a:rPr>
+                <a:t>Proj</a:t>
+              </a:r>
+              <a:r>
+                <a:rPr lang="en-US" altLang="zh-CN" sz="2400" b="1" baseline="-25000" dirty="0" smtClean="0">
+                  <a:ea typeface="Cambria Math"/>
+                </a:rPr>
+                <a:t>2</a:t>
+              </a:r>
+              <a:r>
+                <a:rPr lang="en-US" altLang="zh-CN" sz="2400" dirty="0" smtClean="0">
+                  <a:latin typeface="Cambria Math"/>
+                  <a:ea typeface="Cambria Math"/>
+                </a:rPr>
+                <a:t>⟩ = </a:t>
+              </a:r>
+              <a:r>
+                <a:rPr lang="en-US" altLang="zh-CN" sz="2400" i="1" dirty="0" smtClean="0">
+                  <a:ea typeface="Cambria Math"/>
+                  <a:sym typeface="Wingdings"/>
+                </a:rPr>
+                <a:t>h</a:t>
+              </a:r>
+              <a:endParaRPr lang="en-US" sz="2400" i="1" dirty="0" smtClean="0"/>
+            </a:p>
+            <a:p>
+              <a:pPr marL="979488" indent="-442913">
+                <a:lnSpc>
+                  <a:spcPct val="125000"/>
+                </a:lnSpc>
+                <a:spcAft>
+                  <a:spcPts val="600"/>
+                </a:spcAft>
+                <a:buFont typeface="Wingdings" pitchFamily="2" charset="2"/>
+                <a:buChar char="Ø"/>
+              </a:pPr>
+              <a:r>
+                <a:rPr lang="en-US" sz="2400" dirty="0" smtClean="0"/>
+                <a:t>Substitution Lemma</a:t>
+              </a:r>
+            </a:p>
+            <a:p>
+              <a:pPr marL="531813" indent="-531813">
+                <a:lnSpc>
+                  <a:spcPct val="125000"/>
+                </a:lnSpc>
+                <a:buFont typeface="Wingdings" pitchFamily="2" charset="2"/>
+                <a:buChar char="u"/>
+              </a:pPr>
+              <a:r>
+                <a:rPr lang="en-US" sz="2400" i="1" dirty="0" smtClean="0">
+                  <a:latin typeface="Cambria Math" pitchFamily="18" charset="0"/>
+                  <a:ea typeface="Cambria Math" pitchFamily="18" charset="0"/>
+                </a:rPr>
+                <a:t>η</a:t>
+              </a:r>
+              <a:r>
+                <a:rPr lang="en-US" sz="2400" i="1" dirty="0" smtClean="0"/>
+                <a:t>-</a:t>
+              </a:r>
+              <a:r>
+                <a:rPr lang="en-US" sz="2400" dirty="0" smtClean="0"/>
+                <a:t>equivalence:</a:t>
+              </a:r>
+            </a:p>
+            <a:p>
+              <a:pPr marL="531813" indent="-531813">
+                <a:lnSpc>
+                  <a:spcPct val="125000"/>
+                </a:lnSpc>
+                <a:buFont typeface="Wingdings" pitchFamily="2" charset="2"/>
+                <a:buChar char="u"/>
+              </a:pPr>
+              <a:endParaRPr lang="en-US" sz="2400" dirty="0" smtClean="0"/>
+            </a:p>
+            <a:p>
+              <a:pPr marL="979488" indent="-442913">
+                <a:lnSpc>
+                  <a:spcPct val="125000"/>
+                </a:lnSpc>
+                <a:buFont typeface="Wingdings" pitchFamily="2" charset="2"/>
+                <a:buChar char="Ø"/>
+              </a:pPr>
+              <a:r>
+                <a:rPr lang="en-US" altLang="zh-CN" sz="2400" b="1" dirty="0" smtClean="0">
+                  <a:ea typeface="Cambria Math"/>
+                </a:rPr>
+                <a:t>Curry</a:t>
+              </a:r>
+              <a:r>
+                <a:rPr lang="en-US" altLang="zh-CN" sz="2400" dirty="0" smtClean="0">
+                  <a:latin typeface="Cambria Math" pitchFamily="18" charset="0"/>
+                  <a:ea typeface="Cambria Math" pitchFamily="18" charset="0"/>
+                  <a:sym typeface="Wingdings"/>
+                </a:rPr>
+                <a:t>(</a:t>
+              </a:r>
+              <a:r>
+                <a:rPr lang="en-US" altLang="zh-CN" sz="2400" b="1" dirty="0" smtClean="0">
+                  <a:ea typeface="Cambria Math"/>
+                </a:rPr>
+                <a:t>App</a:t>
+              </a:r>
+              <a:r>
+                <a:rPr lang="en-US" altLang="zh-CN" sz="2400" dirty="0" smtClean="0">
+                  <a:latin typeface="Cambria Math"/>
+                  <a:ea typeface="Cambria Math"/>
+                </a:rPr>
+                <a:t>∘⟨</a:t>
+              </a:r>
+              <a:r>
+                <a:rPr lang="en-US" altLang="zh-CN" sz="2400" i="1" dirty="0" smtClean="0">
+                  <a:ea typeface="Cambria Math"/>
+                  <a:sym typeface="Wingdings"/>
+                </a:rPr>
+                <a:t>k</a:t>
+              </a:r>
+              <a:r>
+                <a:rPr lang="en-US" altLang="zh-CN" sz="2400" dirty="0" smtClean="0">
+                  <a:latin typeface="Cambria Math"/>
+                  <a:ea typeface="Cambria Math"/>
+                </a:rPr>
+                <a:t>∘</a:t>
+              </a:r>
+              <a:r>
+                <a:rPr lang="en-US" altLang="zh-CN" sz="2400" b="1" dirty="0" smtClean="0">
+                  <a:ea typeface="Cambria Math"/>
+                </a:rPr>
+                <a:t>Proj</a:t>
+              </a:r>
+              <a:r>
+                <a:rPr lang="en-US" altLang="zh-CN" sz="2400" b="1" baseline="-25000" dirty="0" smtClean="0">
+                  <a:ea typeface="Cambria Math"/>
+                </a:rPr>
+                <a:t>1</a:t>
+              </a:r>
+              <a:r>
+                <a:rPr lang="en-US" altLang="zh-CN" sz="2400" dirty="0" smtClean="0">
+                  <a:latin typeface="Cambria Math"/>
+                  <a:ea typeface="Cambria Math"/>
+                  <a:sym typeface="Wingdings"/>
+                </a:rPr>
+                <a:t>,</a:t>
+              </a:r>
+              <a:r>
+                <a:rPr lang="en-US" altLang="zh-CN" sz="2400" i="1" dirty="0" smtClean="0">
+                  <a:latin typeface="Cambria Math"/>
+                  <a:ea typeface="Cambria Math"/>
+                  <a:sym typeface="Wingdings"/>
+                </a:rPr>
+                <a:t> </a:t>
+              </a:r>
+              <a:r>
+                <a:rPr lang="en-US" altLang="zh-CN" sz="2400" b="1" dirty="0" smtClean="0">
+                  <a:ea typeface="Cambria Math"/>
+                </a:rPr>
+                <a:t>Proj</a:t>
+              </a:r>
+              <a:r>
+                <a:rPr lang="en-US" altLang="zh-CN" sz="2400" b="1" baseline="-25000" dirty="0" smtClean="0">
+                  <a:ea typeface="Cambria Math"/>
+                </a:rPr>
+                <a:t>2</a:t>
+              </a:r>
+              <a:r>
+                <a:rPr lang="en-US" altLang="zh-CN" sz="2400" dirty="0" smtClean="0">
+                  <a:latin typeface="Cambria Math"/>
+                  <a:ea typeface="Cambria Math"/>
+                </a:rPr>
+                <a:t>⟩</a:t>
+              </a:r>
+              <a:r>
+                <a:rPr lang="en-US" altLang="zh-CN" sz="2400" dirty="0" smtClean="0">
+                  <a:latin typeface="Cambria Math" pitchFamily="18" charset="0"/>
+                  <a:ea typeface="Cambria Math" pitchFamily="18" charset="0"/>
+                  <a:sym typeface="Wingdings"/>
+                </a:rPr>
+                <a:t>) =</a:t>
+              </a:r>
+              <a:r>
+                <a:rPr lang="en-US" altLang="zh-CN" sz="2400" i="1" dirty="0" smtClean="0">
+                  <a:ea typeface="Cambria Math"/>
+                  <a:sym typeface="Wingdings"/>
+                </a:rPr>
+                <a:t> k</a:t>
+              </a:r>
+              <a:endParaRPr lang="en-US" sz="2400" i="1" dirty="0" smtClean="0"/>
+            </a:p>
+          </p:txBody>
+        </p:sp>
+        <p:grpSp>
+          <p:nvGrpSpPr>
+            <p:cNvPr id="3" name="组合 26"/>
+            <p:cNvGrpSpPr/>
+            <p:nvPr/>
+          </p:nvGrpSpPr>
+          <p:grpSpPr>
+            <a:xfrm>
+              <a:off x="973177" y="3286124"/>
+              <a:ext cx="5644399" cy="361950"/>
+              <a:chOff x="985834" y="4567248"/>
+              <a:chExt cx="5453063" cy="361950"/>
+            </a:xfrm>
+          </p:grpSpPr>
+          <p:pic>
+            <p:nvPicPr>
+              <p:cNvPr id="26634" name="Picture 10"/>
+              <p:cNvPicPr>
+                <a:picLocks noChangeAspect="1" noChangeArrowheads="1"/>
+              </p:cNvPicPr>
+              <p:nvPr/>
+            </p:nvPicPr>
+            <p:blipFill>
+              <a:blip r:embed="rId2">
+                <a:clrChange>
+                  <a:clrFrom>
+                    <a:srgbClr val="FFFFFF"/>
+                  </a:clrFrom>
+                  <a:clrTo>
+                    <a:srgbClr val="FFFFFF">
+                      <a:alpha val="0"/>
+                    </a:srgbClr>
+                  </a:clrTo>
+                </a:clrChange>
+              </a:blip>
+              <a:srcRect/>
+              <a:stretch>
+                <a:fillRect/>
+              </a:stretch>
+            </p:blipFill>
+            <p:spPr bwMode="auto">
+              <a:xfrm>
+                <a:off x="985834" y="4567248"/>
+                <a:ext cx="3086100" cy="361950"/>
+              </a:xfrm>
+              <a:prstGeom prst="rect">
+                <a:avLst/>
+              </a:prstGeom>
+              <a:noFill/>
+            </p:spPr>
+          </p:pic>
+          <p:pic>
+            <p:nvPicPr>
+              <p:cNvPr id="26636" name="Picture 12"/>
+              <p:cNvPicPr>
+                <a:picLocks noChangeAspect="1" noChangeArrowheads="1"/>
+              </p:cNvPicPr>
+              <p:nvPr/>
+            </p:nvPicPr>
+            <p:blipFill>
+              <a:blip r:embed="rId3">
+                <a:clrChange>
+                  <a:clrFrom>
+                    <a:srgbClr val="FFFFFF"/>
+                  </a:clrFrom>
+                  <a:clrTo>
+                    <a:srgbClr val="FFFFFF">
+                      <a:alpha val="0"/>
+                    </a:srgbClr>
+                  </a:clrTo>
+                </a:clrChange>
+              </a:blip>
+              <a:srcRect/>
+              <a:stretch>
+                <a:fillRect/>
+              </a:stretch>
+            </p:blipFill>
+            <p:spPr bwMode="auto">
+              <a:xfrm>
+                <a:off x="4143372" y="4567248"/>
+                <a:ext cx="2295525" cy="361950"/>
+              </a:xfrm>
+              <a:prstGeom prst="rect">
+                <a:avLst/>
+              </a:prstGeom>
+              <a:noFill/>
+            </p:spPr>
+          </p:pic>
+        </p:grpSp>
+        <p:grpSp>
+          <p:nvGrpSpPr>
+            <p:cNvPr id="4" name="组合 31"/>
+            <p:cNvGrpSpPr/>
+            <p:nvPr/>
+          </p:nvGrpSpPr>
+          <p:grpSpPr>
+            <a:xfrm>
+              <a:off x="977389" y="5214950"/>
+              <a:ext cx="5166247" cy="361950"/>
+              <a:chOff x="1000100" y="5482294"/>
+              <a:chExt cx="4991120" cy="361950"/>
+            </a:xfrm>
+          </p:grpSpPr>
+          <p:pic>
+            <p:nvPicPr>
+              <p:cNvPr id="26638" name="Picture 14"/>
+              <p:cNvPicPr>
+                <a:picLocks noChangeAspect="1" noChangeArrowheads="1"/>
+              </p:cNvPicPr>
+              <p:nvPr/>
+            </p:nvPicPr>
+            <p:blipFill>
+              <a:blip r:embed="rId4">
+                <a:clrChange>
+                  <a:clrFrom>
+                    <a:srgbClr val="FFFFFF"/>
+                  </a:clrFrom>
+                  <a:clrTo>
+                    <a:srgbClr val="FFFFFF">
+                      <a:alpha val="0"/>
+                    </a:srgbClr>
+                  </a:clrTo>
+                </a:clrChange>
+              </a:blip>
+              <a:srcRect/>
+              <a:stretch>
+                <a:fillRect/>
+              </a:stretch>
+            </p:blipFill>
+            <p:spPr bwMode="auto">
+              <a:xfrm>
+                <a:off x="1000100" y="5482294"/>
+                <a:ext cx="2762250" cy="361950"/>
+              </a:xfrm>
+              <a:prstGeom prst="rect">
+                <a:avLst/>
+              </a:prstGeom>
+              <a:noFill/>
+            </p:spPr>
+          </p:pic>
+          <p:pic>
+            <p:nvPicPr>
+              <p:cNvPr id="26640" name="Picture 16"/>
+              <p:cNvPicPr>
+                <a:picLocks noChangeAspect="1" noChangeArrowheads="1"/>
+              </p:cNvPicPr>
+              <p:nvPr/>
+            </p:nvPicPr>
+            <p:blipFill>
+              <a:blip r:embed="rId5">
+                <a:clrChange>
+                  <a:clrFrom>
+                    <a:srgbClr val="FFFFFF"/>
+                  </a:clrFrom>
+                  <a:clrTo>
+                    <a:srgbClr val="FFFFFF">
+                      <a:alpha val="0"/>
+                    </a:srgbClr>
+                  </a:clrTo>
+                </a:clrChange>
+              </a:blip>
+              <a:srcRect/>
+              <a:stretch>
+                <a:fillRect/>
+              </a:stretch>
+            </p:blipFill>
+            <p:spPr bwMode="auto">
+              <a:xfrm>
+                <a:off x="3857620" y="5482294"/>
+                <a:ext cx="2133600" cy="361950"/>
+              </a:xfrm>
+              <a:prstGeom prst="rect">
+                <a:avLst/>
+              </a:prstGeom>
+              <a:noFill/>
+            </p:spPr>
+          </p:pic>
+        </p:grpSp>
         <p:pic>
           <p:nvPicPr>
-            <p:cNvPr id="26634" name="Picture 10"/>
+            <p:cNvPr id="26" name="Picture 11"/>
             <p:cNvPicPr>
               <a:picLocks noChangeAspect="1" noChangeArrowheads="1"/>
             </p:cNvPicPr>
             <p:nvPr/>
           </p:nvPicPr>
           <p:blipFill>
-            <a:blip r:embed="rId2">
+            <a:blip r:embed="rId6">
               <a:clrChange>
                 <a:clrFrom>
                   <a:srgbClr val="FFFFFF"/>
@@ -16892,8 +17062,8 @@
           </p:blipFill>
           <p:spPr bwMode="auto">
             <a:xfrm>
-              <a:off x="985834" y="4567248"/>
-              <a:ext cx="3086100" cy="361950"/>
+              <a:off x="2928926" y="1857364"/>
+              <a:ext cx="2695575" cy="361950"/>
             </a:xfrm>
             <a:prstGeom prst="rect">
               <a:avLst/>
@@ -16903,14 +17073,14 @@
         </p:pic>
         <p:pic>
           <p:nvPicPr>
-            <p:cNvPr id="26636" name="Picture 12"/>
+            <p:cNvPr id="27" name="Picture 13"/>
             <p:cNvPicPr>
               <a:picLocks noChangeAspect="1" noChangeArrowheads="1"/>
             </p:cNvPicPr>
             <p:nvPr/>
           </p:nvPicPr>
           <p:blipFill>
-            <a:blip r:embed="rId3">
+            <a:blip r:embed="rId7">
               <a:clrChange>
                 <a:clrFrom>
                   <a:srgbClr val="FFFFFF"/>
@@ -16929,8 +17099,8 @@
           </p:blipFill>
           <p:spPr bwMode="auto">
             <a:xfrm>
-              <a:off x="4143372" y="4567248"/>
-              <a:ext cx="2295525" cy="361950"/>
+              <a:off x="2928926" y="2857496"/>
+              <a:ext cx="2781300" cy="400050"/>
             </a:xfrm>
             <a:prstGeom prst="rect">
               <a:avLst/>
@@ -16938,31 +17108,16 @@
             <a:noFill/>
           </p:spPr>
         </p:pic>
-      </p:grpSp>
-      <p:grpSp>
-        <p:nvGrpSpPr>
-          <p:cNvPr id="4" name="组合 31"/>
-          <p:cNvGrpSpPr/>
-          <p:nvPr/>
-        </p:nvGrpSpPr>
-        <p:grpSpPr>
-          <a:xfrm>
-            <a:off x="977389" y="5214950"/>
-            <a:ext cx="5166247" cy="361950"/>
-            <a:chOff x="1000100" y="5482294"/>
-            <a:chExt cx="4991120" cy="361950"/>
-          </a:xfrm>
-        </p:grpSpPr>
         <p:pic>
           <p:nvPicPr>
-            <p:cNvPr id="26638" name="Picture 14"/>
+            <p:cNvPr id="28" name="Picture 15"/>
             <p:cNvPicPr>
               <a:picLocks noChangeAspect="1" noChangeArrowheads="1"/>
             </p:cNvPicPr>
             <p:nvPr/>
           </p:nvPicPr>
           <p:blipFill>
-            <a:blip r:embed="rId4">
+            <a:blip r:embed="rId8">
               <a:clrChange>
                 <a:clrFrom>
                   <a:srgbClr val="FFFFFF"/>
@@ -16981,45 +17136,8 @@
           </p:blipFill>
           <p:spPr bwMode="auto">
             <a:xfrm>
-              <a:off x="1000100" y="5482294"/>
-              <a:ext cx="2762250" cy="361950"/>
-            </a:xfrm>
-            <a:prstGeom prst="rect">
-              <a:avLst/>
-            </a:prstGeom>
-            <a:noFill/>
-          </p:spPr>
-        </p:pic>
-        <p:pic>
-          <p:nvPicPr>
-            <p:cNvPr id="26640" name="Picture 16"/>
-            <p:cNvPicPr>
-              <a:picLocks noChangeAspect="1" noChangeArrowheads="1"/>
-            </p:cNvPicPr>
-            <p:nvPr/>
-          </p:nvPicPr>
-          <p:blipFill>
-            <a:blip r:embed="rId5">
-              <a:clrChange>
-                <a:clrFrom>
-                  <a:srgbClr val="FFFFFF"/>
-                </a:clrFrom>
-                <a:clrTo>
-                  <a:srgbClr val="FFFFFF">
-                    <a:alpha val="0"/>
-                  </a:srgbClr>
-                </a:clrTo>
-              </a:clrChange>
-            </a:blip>
-            <a:srcRect/>
-            <a:stretch>
-              <a:fillRect/>
-            </a:stretch>
-          </p:blipFill>
-          <p:spPr bwMode="auto">
-            <a:xfrm>
-              <a:off x="3857620" y="5482294"/>
-              <a:ext cx="2133600" cy="361950"/>
+              <a:off x="2928926" y="4786322"/>
+              <a:ext cx="1685925" cy="400050"/>
             </a:xfrm>
             <a:prstGeom prst="rect">
               <a:avLst/>
@@ -17028,117 +17146,6 @@
           </p:spPr>
         </p:pic>
       </p:grpSp>
-      <p:pic>
-        <p:nvPicPr>
-          <p:cNvPr id="26" name="Picture 11"/>
-          <p:cNvPicPr>
-            <a:picLocks noChangeAspect="1" noChangeArrowheads="1"/>
-          </p:cNvPicPr>
-          <p:nvPr/>
-        </p:nvPicPr>
-        <p:blipFill>
-          <a:blip r:embed="rId6">
-            <a:clrChange>
-              <a:clrFrom>
-                <a:srgbClr val="FFFFFF"/>
-              </a:clrFrom>
-              <a:clrTo>
-                <a:srgbClr val="FFFFFF">
-                  <a:alpha val="0"/>
-                </a:srgbClr>
-              </a:clrTo>
-            </a:clrChange>
-          </a:blip>
-          <a:srcRect/>
-          <a:stretch>
-            <a:fillRect/>
-          </a:stretch>
-        </p:blipFill>
-        <p:spPr bwMode="auto">
-          <a:xfrm>
-            <a:off x="2928926" y="1857364"/>
-            <a:ext cx="2695575" cy="361950"/>
-          </a:xfrm>
-          <a:prstGeom prst="rect">
-            <a:avLst/>
-          </a:prstGeom>
-          <a:noFill/>
-        </p:spPr>
-      </p:pic>
-      <p:pic>
-        <p:nvPicPr>
-          <p:cNvPr id="27" name="Picture 13"/>
-          <p:cNvPicPr>
-            <a:picLocks noChangeAspect="1" noChangeArrowheads="1"/>
-          </p:cNvPicPr>
-          <p:nvPr/>
-        </p:nvPicPr>
-        <p:blipFill>
-          <a:blip r:embed="rId7">
-            <a:clrChange>
-              <a:clrFrom>
-                <a:srgbClr val="FFFFFF"/>
-              </a:clrFrom>
-              <a:clrTo>
-                <a:srgbClr val="FFFFFF">
-                  <a:alpha val="0"/>
-                </a:srgbClr>
-              </a:clrTo>
-            </a:clrChange>
-          </a:blip>
-          <a:srcRect/>
-          <a:stretch>
-            <a:fillRect/>
-          </a:stretch>
-        </p:blipFill>
-        <p:spPr bwMode="auto">
-          <a:xfrm>
-            <a:off x="2928926" y="2857496"/>
-            <a:ext cx="2781300" cy="400050"/>
-          </a:xfrm>
-          <a:prstGeom prst="rect">
-            <a:avLst/>
-          </a:prstGeom>
-          <a:noFill/>
-        </p:spPr>
-      </p:pic>
-      <p:pic>
-        <p:nvPicPr>
-          <p:cNvPr id="28" name="Picture 15"/>
-          <p:cNvPicPr>
-            <a:picLocks noChangeAspect="1" noChangeArrowheads="1"/>
-          </p:cNvPicPr>
-          <p:nvPr/>
-        </p:nvPicPr>
-        <p:blipFill>
-          <a:blip r:embed="rId8">
-            <a:clrChange>
-              <a:clrFrom>
-                <a:srgbClr val="FFFFFF"/>
-              </a:clrFrom>
-              <a:clrTo>
-                <a:srgbClr val="FFFFFF">
-                  <a:alpha val="0"/>
-                </a:srgbClr>
-              </a:clrTo>
-            </a:clrChange>
-          </a:blip>
-          <a:srcRect/>
-          <a:stretch>
-            <a:fillRect/>
-          </a:stretch>
-        </p:blipFill>
-        <p:spPr bwMode="auto">
-          <a:xfrm>
-            <a:off x="2928926" y="4786322"/>
-            <a:ext cx="1685925" cy="400050"/>
-          </a:xfrm>
-          <a:prstGeom prst="rect">
-            <a:avLst/>
-          </a:prstGeom>
-          <a:noFill/>
-        </p:spPr>
-      </p:pic>
     </p:spTree>
   </p:cSld>
   <p:clrMapOvr>
@@ -17147,7 +17154,83 @@
   <p:timing>
     <p:tnLst>
       <p:par>
-        <p:cTn id="1" dur="indefinite" restart="never" nodeType="tmRoot"/>
+        <p:cTn id="1" dur="indefinite" restart="never" nodeType="tmRoot">
+          <p:childTnLst>
+            <p:seq concurrent="1" nextAc="seek">
+              <p:cTn id="2" dur="indefinite" nodeType="mainSeq">
+                <p:childTnLst>
+                  <p:par>
+                    <p:cTn id="3" fill="hold">
+                      <p:stCondLst>
+                        <p:cond delay="indefinite"/>
+                      </p:stCondLst>
+                      <p:childTnLst>
+                        <p:par>
+                          <p:cTn id="4" fill="hold">
+                            <p:stCondLst>
+                              <p:cond delay="0"/>
+                            </p:stCondLst>
+                            <p:childTnLst>
+                              <p:par>
+                                <p:cTn id="5" presetID="10" presetClass="entr" presetSubtype="0" fill="hold" nodeType="clickEffect">
+                                  <p:stCondLst>
+                                    <p:cond delay="0"/>
+                                  </p:stCondLst>
+                                  <p:childTnLst>
+                                    <p:set>
+                                      <p:cBhvr>
+                                        <p:cTn id="6" dur="1" fill="hold">
+                                          <p:stCondLst>
+                                            <p:cond delay="0"/>
+                                          </p:stCondLst>
+                                        </p:cTn>
+                                        <p:tgtEl>
+                                          <p:spTgt spid="29"/>
+                                        </p:tgtEl>
+                                        <p:attrNameLst>
+                                          <p:attrName>style.visibility</p:attrName>
+                                        </p:attrNameLst>
+                                      </p:cBhvr>
+                                      <p:to>
+                                        <p:strVal val="visible"/>
+                                      </p:to>
+                                    </p:set>
+                                    <p:animEffect transition="in" filter="fade">
+                                      <p:cBhvr>
+                                        <p:cTn id="7" dur="500"/>
+                                        <p:tgtEl>
+                                          <p:spTgt spid="29"/>
+                                        </p:tgtEl>
+                                      </p:cBhvr>
+                                    </p:animEffect>
+                                  </p:childTnLst>
+                                </p:cTn>
+                              </p:par>
+                            </p:childTnLst>
+                          </p:cTn>
+                        </p:par>
+                      </p:childTnLst>
+                    </p:cTn>
+                  </p:par>
+                </p:childTnLst>
+              </p:cTn>
+              <p:prevCondLst>
+                <p:cond evt="onPrev" delay="0">
+                  <p:tgtEl>
+                    <p:sldTgt/>
+                  </p:tgtEl>
+                </p:cond>
+              </p:prevCondLst>
+              <p:nextCondLst>
+                <p:cond evt="onNext" delay="0">
+                  <p:tgtEl>
+                    <p:sldTgt/>
+                  </p:tgtEl>
+                </p:cond>
+              </p:nextCondLst>
+            </p:seq>
+          </p:childTnLst>
+        </p:cTn>
       </p:par>
     </p:tnLst>
   </p:timing>
@@ -23660,9 +23743,88 @@
   <p:timing>
     <p:tnLst>
       <p:par>
-        <p:cTn id="1" dur="indefinite" restart="never" nodeType="tmRoot"/>
+        <p:cTn id="1" dur="indefinite" restart="never" nodeType="tmRoot">
+          <p:childTnLst>
+            <p:seq concurrent="1" nextAc="seek">
+              <p:cTn id="2" dur="indefinite" nodeType="mainSeq">
+                <p:childTnLst>
+                  <p:par>
+                    <p:cTn id="3" fill="hold">
+                      <p:stCondLst>
+                        <p:cond delay="indefinite"/>
+                      </p:stCondLst>
+                      <p:childTnLst>
+                        <p:par>
+                          <p:cTn id="4" fill="hold">
+                            <p:stCondLst>
+                              <p:cond delay="0"/>
+                            </p:stCondLst>
+                            <p:childTnLst>
+                              <p:par>
+                                <p:cTn id="5" presetID="10" presetClass="entr" presetSubtype="0" fill="hold" grpId="0" nodeType="clickEffect">
+                                  <p:stCondLst>
+                                    <p:cond delay="0"/>
+                                  </p:stCondLst>
+                                  <p:childTnLst>
+                                    <p:set>
+                                      <p:cBhvr>
+                                        <p:cTn id="6" dur="1" fill="hold">
+                                          <p:stCondLst>
+                                            <p:cond delay="0"/>
+                                          </p:stCondLst>
+                                        </p:cTn>
+                                        <p:tgtEl>
+                                          <p:spTgt spid="9"/>
+                                        </p:tgtEl>
+                                        <p:attrNameLst>
+                                          <p:attrName>style.visibility</p:attrName>
+                                        </p:attrNameLst>
+                                      </p:cBhvr>
+                                      <p:to>
+                                        <p:strVal val="visible"/>
+                                      </p:to>
+                                    </p:set>
+                                    <p:animEffect transition="in" filter="fade">
+                                      <p:cBhvr>
+                                        <p:cTn id="7" dur="500"/>
+                                        <p:tgtEl>
+                                          <p:spTgt spid="9"/>
+                                        </p:tgtEl>
+                                      </p:cBhvr>
+                                    </p:animEffect>
+                                  </p:childTnLst>
+                                </p:cTn>
+                              </p:par>
+                            </p:childTnLst>
+                          </p:cTn>
+                        </p:par>
+                      </p:childTnLst>
+                    </p:cTn>
+                  </p:par>
+                </p:childTnLst>
+              </p:cTn>
+              <p:prevCondLst>
+                <p:cond evt="onPrev" delay="0">
+                  <p:tgtEl>
+                    <p:sldTgt/>
+                  </p:tgtEl>
+                </p:cond>
+              </p:prevCondLst>
+              <p:nextCondLst>
+                <p:cond evt="onNext" delay="0">
+                  <p:tgtEl>
+                    <p:sldTgt/>
+                  </p:tgtEl>
+                </p:cond>
+              </p:nextCondLst>
+            </p:seq>
+          </p:childTnLst>
+        </p:cTn>
       </p:par>
     </p:tnLst>
+    <p:bldLst>
+      <p:bldP spid="9" grpId="0"/>
+    </p:bldLst>
   </p:timing>
 </p:sld>
 </file>
@@ -26591,13 +26753,8 @@
               </a:pPr>
               <a:r>
                 <a:rPr lang="en-US" altLang="zh-CN" sz="2400" dirty="0" smtClean="0"/>
-                <a:t>The law of excluded middle                  and double negation elimination                       are no longer axioms</a:t>
+                <a:t>The law of excluded middle                  and double negation elimination                       are no longer axioms.</a:t>
               </a:r>
-              <a:r>
-                <a:rPr lang="en-US" altLang="zh-CN" sz="2400" dirty="0" smtClean="0"/>
-                <a:t>.</a:t>
-              </a:r>
-              <a:endParaRPr lang="en-US" altLang="zh-CN" sz="2400" dirty="0" smtClean="0"/>
             </a:p>
           </p:txBody>
         </p:sp>
